--- a/project_01/docs/lin_EDES301_project_01_proposal.pptx
+++ b/project_01/docs/lin_EDES301_project_01_proposal.pptx
@@ -218,7 +218,7 @@
           <a:p>
             <a:fld id="{59041DB8-B66F-4DC8-A96E-33677E0F90FF}" type="datetimeFigureOut">
               <a:rPr lang="en-US" smtClean="0"/>
-              <a:t>2/20/2025</a:t>
+              <a:t>2/26/2025</a:t>
             </a:fld>
             <a:endParaRPr lang="en-US"/>
           </a:p>
@@ -383,7 +383,7 @@
           <a:p>
             <a:fld id="{DEB49C4A-65AC-492D-9701-81B46C3AD0E4}" type="datetimeFigureOut">
               <a:rPr lang="en-US" smtClean="0"/>
-              <a:t>2/20/2025</a:t>
+              <a:t>2/26/2025</a:t>
             </a:fld>
             <a:endParaRPr lang="en-US"/>
           </a:p>
@@ -2791,7 +2791,7 @@
           <a:p>
             <a:fld id="{384A29A4-78C8-47AB-BA06-22CB45938951}" type="datetime1">
               <a:rPr lang="en-US" smtClean="0"/>
-              <a:t>2/20/2025</a:t>
+              <a:t>2/26/2025</a:t>
             </a:fld>
             <a:endParaRPr lang="en-US"/>
           </a:p>
@@ -2986,7 +2986,7 @@
           <a:p>
             <a:fld id="{E1ED4ACF-2D82-46F2-A8E9-23963AA34E86}" type="datetime1">
               <a:rPr lang="en-US" smtClean="0"/>
-              <a:t>2/20/2025</a:t>
+              <a:t>2/26/2025</a:t>
             </a:fld>
             <a:endParaRPr lang="en-US"/>
           </a:p>
@@ -3180,7 +3180,7 @@
           <a:p>
             <a:fld id="{AE374B5B-21A0-4192-BF4C-38187F1A68D8}" type="datetime1">
               <a:rPr lang="en-US" smtClean="0"/>
-              <a:t>2/20/2025</a:t>
+              <a:t>2/26/2025</a:t>
             </a:fld>
             <a:endParaRPr lang="en-US"/>
           </a:p>
@@ -5521,7 +5521,7 @@
           <a:p>
             <a:fld id="{33B5CF7C-B333-48E1-A4A6-83A3C8B73AC0}" type="datetime1">
               <a:rPr lang="en-US" smtClean="0"/>
-              <a:t>2/20/2025</a:t>
+              <a:t>2/26/2025</a:t>
             </a:fld>
             <a:endParaRPr lang="en-US"/>
           </a:p>
@@ -5974,7 +5974,7 @@
           <a:p>
             <a:fld id="{AE320762-5CBF-4210-AB54-376B091119F8}" type="datetime1">
               <a:rPr lang="en-US" smtClean="0"/>
-              <a:t>2/20/2025</a:t>
+              <a:t>2/26/2025</a:t>
             </a:fld>
             <a:endParaRPr lang="en-US"/>
           </a:p>
@@ -6106,7 +6106,7 @@
           <a:p>
             <a:fld id="{7F0DB371-BF5F-4058-A212-1A908E4D2674}" type="datetime1">
               <a:rPr lang="en-US" smtClean="0"/>
-              <a:t>2/20/2025</a:t>
+              <a:t>2/26/2025</a:t>
             </a:fld>
             <a:endParaRPr lang="en-US"/>
           </a:p>
@@ -8039,7 +8039,7 @@
           <a:p>
             <a:fld id="{60A4083B-90AA-48CF-BAD5-00AA24D7F288}" type="datetime1">
               <a:rPr lang="en-US" smtClean="0"/>
-              <a:t>2/20/2025</a:t>
+              <a:t>2/26/2025</a:t>
             </a:fld>
             <a:endParaRPr lang="en-US"/>
           </a:p>
@@ -10298,7 +10298,7 @@
             <a:fld id="{F5BAF629-ECA2-4CF3-B790-9D9BDED98269}" type="datetime1">
               <a:rPr lang="en-US" smtClean="0"/>
               <a:pPr/>
-              <a:t>2/20/2025</a:t>
+              <a:t>2/26/2025</a:t>
             </a:fld>
             <a:endParaRPr lang="en-US"/>
           </a:p>
@@ -14593,7 +14593,7 @@
             <a:fld id="{B51B2453-8663-4C69-AF73-9FD7B1DEC5D0}" type="datetime1">
               <a:rPr lang="en-US" smtClean="0"/>
               <a:pPr/>
-              <a:t>2/20/2025</a:t>
+              <a:t>2/26/2025</a:t>
             </a:fld>
             <a:endParaRPr lang="en-US" dirty="0"/>
           </a:p>
@@ -15540,7 +15540,7 @@
         </p:nvSpPr>
         <p:spPr>
           <a:xfrm>
-            <a:off x="4991100" y="2781300"/>
+            <a:off x="4991100" y="2400299"/>
             <a:ext cx="1866900" cy="990601"/>
           </a:xfrm>
           <a:prstGeom prst="roundRect">
@@ -15590,7 +15590,7 @@
         </p:nvSpPr>
         <p:spPr>
           <a:xfrm>
-            <a:off x="8828999" y="2781298"/>
+            <a:off x="8828999" y="2400297"/>
             <a:ext cx="1866900" cy="990601"/>
           </a:xfrm>
           <a:prstGeom prst="roundRect">
@@ -15635,6 +15635,7 @@
             </a:extLst>
           </p:cNvPr>
           <p:cNvCxnSpPr>
+            <a:cxnSpLocks/>
             <a:stCxn id="6" idx="3"/>
             <a:endCxn id="7" idx="1"/>
           </p:cNvCxnSpPr>
@@ -15642,7 +15643,7 @@
         </p:nvCxnSpPr>
         <p:spPr>
           <a:xfrm flipV="1">
-            <a:off x="6858000" y="3276599"/>
+            <a:off x="6858000" y="2895598"/>
             <a:ext cx="1970999" cy="2"/>
           </a:xfrm>
           <a:prstGeom prst="line">
@@ -15678,7 +15679,7 @@
         </p:nvSpPr>
         <p:spPr>
           <a:xfrm>
-            <a:off x="1209118" y="2781297"/>
+            <a:off x="1209118" y="2400296"/>
             <a:ext cx="1866900" cy="990601"/>
           </a:xfrm>
           <a:prstGeom prst="roundRect">
@@ -15727,7 +15728,7 @@
         </p:nvSpPr>
         <p:spPr>
           <a:xfrm>
-            <a:off x="7271066" y="2950908"/>
+            <a:off x="7337961" y="2574856"/>
             <a:ext cx="1144865" cy="338554"/>
           </a:xfrm>
           <a:prstGeom prst="rect">
@@ -15765,7 +15766,7 @@
         </p:nvCxnSpPr>
         <p:spPr>
           <a:xfrm>
-            <a:off x="3076018" y="3276598"/>
+            <a:off x="3076018" y="2895597"/>
             <a:ext cx="1915082" cy="3"/>
           </a:xfrm>
           <a:prstGeom prst="line">
@@ -15801,7 +15802,7 @@
         </p:nvSpPr>
         <p:spPr>
           <a:xfrm>
-            <a:off x="3163356" y="2955857"/>
+            <a:off x="3163356" y="2574856"/>
             <a:ext cx="1827744" cy="338554"/>
           </a:xfrm>
           <a:prstGeom prst="rect">
@@ -15818,6 +15819,203 @@
             <a:r>
               <a:rPr lang="en-US" sz="1600" dirty="0"/>
               <a:t>SD Card Interface</a:t>
+            </a:r>
+          </a:p>
+        </p:txBody>
+      </p:sp>
+      <p:sp>
+        <p:nvSpPr>
+          <p:cNvPr id="3" name="Rectangle: Rounded Corners 2">
+            <a:extLst>
+              <a:ext uri="{FF2B5EF4-FFF2-40B4-BE49-F238E27FC236}">
+                <a16:creationId xmlns:a16="http://schemas.microsoft.com/office/drawing/2014/main" id="{D2DF4381-9728-4D25-AA75-00F5990783EA}"/>
+              </a:ext>
+            </a:extLst>
+          </p:cNvPr>
+          <p:cNvSpPr/>
+          <p:nvPr/>
+        </p:nvSpPr>
+        <p:spPr>
+          <a:xfrm>
+            <a:off x="4991100" y="4267200"/>
+            <a:ext cx="1866900" cy="990601"/>
+          </a:xfrm>
+          <a:prstGeom prst="roundRect">
+            <a:avLst/>
+          </a:prstGeom>
+        </p:spPr>
+        <p:style>
+          <a:lnRef idx="2">
+            <a:schemeClr val="accent1">
+              <a:shade val="15000"/>
+            </a:schemeClr>
+          </a:lnRef>
+          <a:fillRef idx="1">
+            <a:schemeClr val="accent1"/>
+          </a:fillRef>
+          <a:effectRef idx="0">
+            <a:schemeClr val="accent1"/>
+          </a:effectRef>
+          <a:fontRef idx="minor">
+            <a:schemeClr val="lt1"/>
+          </a:fontRef>
+        </p:style>
+        <p:txBody>
+          <a:bodyPr rtlCol="0" anchor="ctr"/>
+          <a:lstStyle/>
+          <a:p>
+            <a:pPr algn="ctr"/>
+            <a:r>
+              <a:rPr lang="en-US" dirty="0"/>
+              <a:t>TSC2007</a:t>
+            </a:r>
+          </a:p>
+        </p:txBody>
+      </p:sp>
+      <p:sp>
+        <p:nvSpPr>
+          <p:cNvPr id="4" name="TextBox 3">
+            <a:extLst>
+              <a:ext uri="{FF2B5EF4-FFF2-40B4-BE49-F238E27FC236}">
+                <a16:creationId xmlns:a16="http://schemas.microsoft.com/office/drawing/2014/main" id="{46716892-A6B8-34AA-F80E-BADD5A8013E1}"/>
+              </a:ext>
+            </a:extLst>
+          </p:cNvPr>
+          <p:cNvSpPr txBox="1"/>
+          <p:nvPr/>
+        </p:nvSpPr>
+        <p:spPr>
+          <a:xfrm>
+            <a:off x="5924550" y="3659773"/>
+            <a:ext cx="1133644" cy="338554"/>
+          </a:xfrm>
+          <a:prstGeom prst="rect">
+            <a:avLst/>
+          </a:prstGeom>
+          <a:noFill/>
+        </p:spPr>
+        <p:txBody>
+          <a:bodyPr wrap="none" rtlCol="0">
+            <a:spAutoFit/>
+          </a:bodyPr>
+          <a:lstStyle/>
+          <a:p>
+            <a:r>
+              <a:rPr lang="en-US" sz="1600" dirty="0"/>
+              <a:t>I2C, GPIO</a:t>
+            </a:r>
+          </a:p>
+        </p:txBody>
+      </p:sp>
+      <p:cxnSp>
+        <p:nvCxnSpPr>
+          <p:cNvPr id="8" name="Straight Connector 7">
+            <a:extLst>
+              <a:ext uri="{FF2B5EF4-FFF2-40B4-BE49-F238E27FC236}">
+                <a16:creationId xmlns:a16="http://schemas.microsoft.com/office/drawing/2014/main" id="{99719747-2DDD-E4E7-86A1-483EB7360E68}"/>
+              </a:ext>
+            </a:extLst>
+          </p:cNvPr>
+          <p:cNvCxnSpPr>
+            <a:stCxn id="6" idx="2"/>
+            <a:endCxn id="3" idx="0"/>
+          </p:cNvCxnSpPr>
+          <p:nvPr/>
+        </p:nvCxnSpPr>
+        <p:spPr>
+          <a:xfrm>
+            <a:off x="5924550" y="3390900"/>
+            <a:ext cx="0" cy="876300"/>
+          </a:xfrm>
+          <a:prstGeom prst="line">
+            <a:avLst/>
+          </a:prstGeom>
+        </p:spPr>
+        <p:style>
+          <a:lnRef idx="1">
+            <a:schemeClr val="accent1"/>
+          </a:lnRef>
+          <a:fillRef idx="0">
+            <a:schemeClr val="accent1"/>
+          </a:fillRef>
+          <a:effectRef idx="0">
+            <a:schemeClr val="accent1"/>
+          </a:effectRef>
+          <a:fontRef idx="minor">
+            <a:schemeClr val="tx1"/>
+          </a:fontRef>
+        </p:style>
+      </p:cxnSp>
+      <p:cxnSp>
+        <p:nvCxnSpPr>
+          <p:cNvPr id="13" name="Straight Connector 12">
+            <a:extLst>
+              <a:ext uri="{FF2B5EF4-FFF2-40B4-BE49-F238E27FC236}">
+                <a16:creationId xmlns:a16="http://schemas.microsoft.com/office/drawing/2014/main" id="{392DF62A-A719-8CC9-17BA-410EAF7D417F}"/>
+              </a:ext>
+            </a:extLst>
+          </p:cNvPr>
+          <p:cNvCxnSpPr>
+            <a:stCxn id="3" idx="3"/>
+            <a:endCxn id="7" idx="2"/>
+          </p:cNvCxnSpPr>
+          <p:nvPr/>
+        </p:nvCxnSpPr>
+        <p:spPr>
+          <a:xfrm flipV="1">
+            <a:off x="6858000" y="3390898"/>
+            <a:ext cx="2904449" cy="1371603"/>
+          </a:xfrm>
+          <a:prstGeom prst="line">
+            <a:avLst/>
+          </a:prstGeom>
+        </p:spPr>
+        <p:style>
+          <a:lnRef idx="1">
+            <a:schemeClr val="accent1"/>
+          </a:lnRef>
+          <a:fillRef idx="0">
+            <a:schemeClr val="accent1"/>
+          </a:fillRef>
+          <a:effectRef idx="0">
+            <a:schemeClr val="accent1"/>
+          </a:effectRef>
+          <a:fontRef idx="minor">
+            <a:schemeClr val="tx1"/>
+          </a:fontRef>
+        </p:style>
+      </p:cxnSp>
+      <p:sp>
+        <p:nvSpPr>
+          <p:cNvPr id="16" name="TextBox 15">
+            <a:extLst>
+              <a:ext uri="{FF2B5EF4-FFF2-40B4-BE49-F238E27FC236}">
+                <a16:creationId xmlns:a16="http://schemas.microsoft.com/office/drawing/2014/main" id="{2C231A8A-F8E9-47DD-670F-D4883896914D}"/>
+              </a:ext>
+            </a:extLst>
+          </p:cNvPr>
+          <p:cNvSpPr txBox="1"/>
+          <p:nvPr/>
+        </p:nvSpPr>
+        <p:spPr>
+          <a:xfrm>
+            <a:off x="8158078" y="4097923"/>
+            <a:ext cx="1367169" cy="338554"/>
+          </a:xfrm>
+          <a:prstGeom prst="rect">
+            <a:avLst/>
+          </a:prstGeom>
+          <a:noFill/>
+        </p:spPr>
+        <p:txBody>
+          <a:bodyPr wrap="none" rtlCol="0">
+            <a:spAutoFit/>
+          </a:bodyPr>
+          <a:lstStyle/>
+          <a:p>
+            <a:r>
+              <a:rPr lang="en-US" sz="1600" dirty="0"/>
+              <a:t>X,Y breakout</a:t>
             </a:r>
           </a:p>
         </p:txBody>
@@ -15906,7 +16104,7 @@
         </p:nvSpPr>
         <p:spPr>
           <a:xfrm>
-            <a:off x="4991100" y="4258784"/>
+            <a:off x="4991100" y="4755580"/>
             <a:ext cx="1866900" cy="990601"/>
           </a:xfrm>
           <a:prstGeom prst="roundRect">
@@ -15955,7 +16153,7 @@
         </p:nvSpPr>
         <p:spPr>
           <a:xfrm>
-            <a:off x="4991100" y="2209799"/>
+            <a:off x="4991100" y="3066510"/>
             <a:ext cx="1866900" cy="990601"/>
           </a:xfrm>
           <a:prstGeom prst="roundRect">
@@ -16005,7 +16203,7 @@
         </p:nvSpPr>
         <p:spPr>
           <a:xfrm>
-            <a:off x="8828999" y="2209797"/>
+            <a:off x="8828999" y="3066508"/>
             <a:ext cx="1866900" cy="990601"/>
           </a:xfrm>
           <a:prstGeom prst="roundRect">
@@ -16054,7 +16252,7 @@
         </p:nvSpPr>
         <p:spPr>
           <a:xfrm>
-            <a:off x="1209118" y="2209796"/>
+            <a:off x="1209118" y="3066507"/>
             <a:ext cx="1866900" cy="990601"/>
           </a:xfrm>
           <a:prstGeom prst="roundRect">
@@ -16103,7 +16301,7 @@
         </p:nvSpPr>
         <p:spPr>
           <a:xfrm>
-            <a:off x="7511517" y="2334979"/>
+            <a:off x="7511517" y="3191690"/>
             <a:ext cx="663964" cy="338554"/>
           </a:xfrm>
           <a:prstGeom prst="rect">
@@ -16138,7 +16336,7 @@
         </p:nvSpPr>
         <p:spPr>
           <a:xfrm>
-            <a:off x="3816192" y="2334979"/>
+            <a:off x="3816192" y="3191690"/>
             <a:ext cx="434734" cy="338554"/>
           </a:xfrm>
           <a:prstGeom prst="rect">
@@ -16176,7 +16374,7 @@
         </p:nvCxnSpPr>
         <p:spPr>
           <a:xfrm>
-            <a:off x="3076018" y="2705097"/>
+            <a:off x="3076018" y="3561808"/>
             <a:ext cx="1915082" cy="3"/>
           </a:xfrm>
           <a:prstGeom prst="straightConnector1">
@@ -16218,7 +16416,7 @@
         </p:nvCxnSpPr>
         <p:spPr>
           <a:xfrm flipV="1">
-            <a:off x="6858000" y="2705098"/>
+            <a:off x="6858000" y="3561809"/>
             <a:ext cx="1970999" cy="2"/>
           </a:xfrm>
           <a:prstGeom prst="straightConnector1">
@@ -16260,8 +16458,8 @@
         </p:nvCxnSpPr>
         <p:spPr>
           <a:xfrm>
-            <a:off x="5924550" y="3200400"/>
-            <a:ext cx="0" cy="1058384"/>
+            <a:off x="5924550" y="4057111"/>
+            <a:ext cx="0" cy="698469"/>
           </a:xfrm>
           <a:prstGeom prst="straightConnector1">
             <a:avLst/>
@@ -16299,7 +16497,133 @@
         </p:nvSpPr>
         <p:spPr>
           <a:xfrm>
-            <a:off x="5924550" y="3560315"/>
+            <a:off x="5924550" y="4237068"/>
+            <a:ext cx="663964" cy="338554"/>
+          </a:xfrm>
+          <a:prstGeom prst="rect">
+            <a:avLst/>
+          </a:prstGeom>
+          <a:noFill/>
+        </p:spPr>
+        <p:txBody>
+          <a:bodyPr wrap="none" rtlCol="0">
+            <a:spAutoFit/>
+          </a:bodyPr>
+          <a:lstStyle/>
+          <a:p>
+            <a:r>
+              <a:rPr lang="en-US" sz="1600" dirty="0"/>
+              <a:t>3.3 V</a:t>
+            </a:r>
+          </a:p>
+        </p:txBody>
+      </p:sp>
+      <p:sp>
+        <p:nvSpPr>
+          <p:cNvPr id="6" name="Rectangle: Rounded Corners 5">
+            <a:extLst>
+              <a:ext uri="{FF2B5EF4-FFF2-40B4-BE49-F238E27FC236}">
+                <a16:creationId xmlns:a16="http://schemas.microsoft.com/office/drawing/2014/main" id="{4B277654-9FAB-A5A8-A7C0-E3B8661C6648}"/>
+              </a:ext>
+            </a:extLst>
+          </p:cNvPr>
+          <p:cNvSpPr/>
+          <p:nvPr/>
+        </p:nvSpPr>
+        <p:spPr>
+          <a:xfrm>
+            <a:off x="4991100" y="1371600"/>
+            <a:ext cx="1866900" cy="990601"/>
+          </a:xfrm>
+          <a:prstGeom prst="roundRect">
+            <a:avLst/>
+          </a:prstGeom>
+        </p:spPr>
+        <p:style>
+          <a:lnRef idx="2">
+            <a:schemeClr val="accent1">
+              <a:shade val="15000"/>
+            </a:schemeClr>
+          </a:lnRef>
+          <a:fillRef idx="1">
+            <a:schemeClr val="accent1"/>
+          </a:fillRef>
+          <a:effectRef idx="0">
+            <a:schemeClr val="accent1"/>
+          </a:effectRef>
+          <a:fontRef idx="minor">
+            <a:schemeClr val="lt1"/>
+          </a:fontRef>
+        </p:style>
+        <p:txBody>
+          <a:bodyPr rtlCol="0" anchor="ctr"/>
+          <a:lstStyle/>
+          <a:p>
+            <a:pPr algn="ctr"/>
+            <a:r>
+              <a:rPr lang="en-US" dirty="0"/>
+              <a:t>TSC2007</a:t>
+            </a:r>
+          </a:p>
+        </p:txBody>
+      </p:sp>
+      <p:cxnSp>
+        <p:nvCxnSpPr>
+          <p:cNvPr id="8" name="Straight Arrow Connector 7">
+            <a:extLst>
+              <a:ext uri="{FF2B5EF4-FFF2-40B4-BE49-F238E27FC236}">
+                <a16:creationId xmlns:a16="http://schemas.microsoft.com/office/drawing/2014/main" id="{F452529E-B9B6-936B-46D1-1D5EEF1C7A14}"/>
+              </a:ext>
+            </a:extLst>
+          </p:cNvPr>
+          <p:cNvCxnSpPr>
+            <a:stCxn id="11" idx="0"/>
+            <a:endCxn id="6" idx="2"/>
+          </p:cNvCxnSpPr>
+          <p:nvPr/>
+        </p:nvCxnSpPr>
+        <p:spPr>
+          <a:xfrm flipV="1">
+            <a:off x="5924550" y="2362201"/>
+            <a:ext cx="0" cy="704309"/>
+          </a:xfrm>
+          <a:prstGeom prst="straightConnector1">
+            <a:avLst/>
+          </a:prstGeom>
+          <a:ln>
+            <a:tailEnd type="triangle"/>
+          </a:ln>
+        </p:spPr>
+        <p:style>
+          <a:lnRef idx="1">
+            <a:schemeClr val="accent1"/>
+          </a:lnRef>
+          <a:fillRef idx="0">
+            <a:schemeClr val="accent1"/>
+          </a:fillRef>
+          <a:effectRef idx="0">
+            <a:schemeClr val="accent1"/>
+          </a:effectRef>
+          <a:fontRef idx="minor">
+            <a:schemeClr val="tx1"/>
+          </a:fontRef>
+        </p:style>
+      </p:cxnSp>
+      <p:sp>
+        <p:nvSpPr>
+          <p:cNvPr id="9" name="TextBox 8">
+            <a:extLst>
+              <a:ext uri="{FF2B5EF4-FFF2-40B4-BE49-F238E27FC236}">
+                <a16:creationId xmlns:a16="http://schemas.microsoft.com/office/drawing/2014/main" id="{0C6A7441-6256-CF90-3585-C9A2E568983D}"/>
+              </a:ext>
+            </a:extLst>
+          </p:cNvPr>
+          <p:cNvSpPr txBox="1"/>
+          <p:nvPr/>
+        </p:nvSpPr>
+        <p:spPr>
+          <a:xfrm>
+            <a:off x="5935469" y="2542158"/>
             <a:ext cx="663964" cy="338554"/>
           </a:xfrm>
           <a:prstGeom prst="rect">
@@ -16406,14 +16730,14 @@
             <p:ph idx="1"/>
             <p:extLst>
               <p:ext uri="{D42A27DB-BD31-4B8C-83A1-F6EECF244321}">
-                <p14:modId xmlns:p14="http://schemas.microsoft.com/office/powerpoint/2010/main" val="1019837297"/>
+                <p14:modId xmlns:p14="http://schemas.microsoft.com/office/powerpoint/2010/main" val="2127473135"/>
               </p:ext>
             </p:extLst>
           </p:nvPr>
         </p:nvGraphicFramePr>
         <p:xfrm>
           <a:off x="609600" y="1295400"/>
-          <a:ext cx="10972800" cy="2494280"/>
+          <a:ext cx="10972800" cy="1381760"/>
         </p:xfrm>
         <a:graphic>
           <a:graphicData uri="http://schemas.openxmlformats.org/drawingml/2006/table">
@@ -16513,7 +16837,7 @@
                       </a:r>
                       <a:r>
                         <a:rPr lang="en-US" dirty="0"/>
-                        <a:t> – </a:t>
+                        <a:t> - </a:t>
                       </a:r>
                       <a:r>
                         <a:rPr lang="en-US" sz="1800" kern="1200" dirty="0">
@@ -16569,86 +16893,32 @@
                     <a:bodyPr/>
                     <a:lstStyle/>
                     <a:p>
-                      <a:endParaRPr lang="en-US" dirty="0"/>
-                    </a:p>
-                  </a:txBody>
-                  <a:tcPr/>
-                </a:tc>
-                <a:tc>
-                  <a:txBody>
-                    <a:bodyPr/>
-                    <a:lstStyle/>
-                    <a:p>
-                      <a:endParaRPr lang="en-US" dirty="0"/>
-                    </a:p>
-                  </a:txBody>
-                  <a:tcPr/>
-                </a:tc>
-                <a:tc>
-                  <a:txBody>
-                    <a:bodyPr/>
-                    <a:lstStyle/>
-                    <a:p>
-                      <a:endParaRPr lang="en-US" dirty="0"/>
-                    </a:p>
-                  </a:txBody>
-                  <a:tcPr/>
-                </a:tc>
-                <a:extLst>
-                  <a:ext uri="{0D108BD9-81ED-4DB2-BD59-A6C34878D82A}">
-                    <a16:rowId xmlns:a16="http://schemas.microsoft.com/office/drawing/2014/main" val="935167727"/>
-                  </a:ext>
-                </a:extLst>
-              </a:tr>
-              <a:tr h="370840">
-                <a:tc>
-                  <a:txBody>
-                    <a:bodyPr/>
-                    <a:lstStyle/>
-                    <a:p>
+                      <a:pPr marL="0" marR="0" lvl="0" indent="0" algn="l" defTabSz="914400" rtl="0" eaLnBrk="1" fontAlgn="auto" latinLnBrk="0" hangingPunct="1">
+                        <a:lnSpc>
+                          <a:spcPct val="100000"/>
+                        </a:lnSpc>
+                        <a:spcBef>
+                          <a:spcPts val="0"/>
+                        </a:spcBef>
+                        <a:spcAft>
+                          <a:spcPts val="0"/>
+                        </a:spcAft>
+                        <a:buClrTx/>
+                        <a:buSzTx/>
+                        <a:buFontTx/>
+                        <a:buNone/>
+                        <a:tabLst/>
+                        <a:defRPr/>
+                      </a:pPr>
                       <a:r>
-                        <a:rPr lang="en-US" dirty="0"/>
-                        <a:t>Possibly:</a:t>
+                        <a:rPr lang="en-US" b="0" dirty="0">
+                          <a:hlinkClick r:id="rId3"/>
+                        </a:rPr>
+                        <a:t>Resistive Touch Screen Controller </a:t>
                       </a:r>
-                    </a:p>
-                  </a:txBody>
-                  <a:tcPr/>
-                </a:tc>
-                <a:tc>
-                  <a:txBody>
-                    <a:bodyPr/>
-                    <a:lstStyle/>
-                    <a:p>
-                      <a:endParaRPr lang="en-US" dirty="0"/>
-                    </a:p>
-                  </a:txBody>
-                  <a:tcPr/>
-                </a:tc>
-                <a:tc>
-                  <a:txBody>
-                    <a:bodyPr/>
-                    <a:lstStyle/>
-                    <a:p>
-                      <a:endParaRPr lang="en-US" dirty="0"/>
-                    </a:p>
-                  </a:txBody>
-                  <a:tcPr/>
-                </a:tc>
-                <a:extLst>
-                  <a:ext uri="{0D108BD9-81ED-4DB2-BD59-A6C34878D82A}">
-                    <a16:rowId xmlns:a16="http://schemas.microsoft.com/office/drawing/2014/main" val="600906149"/>
-                  </a:ext>
-                </a:extLst>
-              </a:tr>
-              <a:tr h="370840">
-                <a:tc>
-                  <a:txBody>
-                    <a:bodyPr/>
-                    <a:lstStyle/>
-                    <a:p>
                       <a:r>
-                        <a:rPr lang="en-US" dirty="0"/>
-                        <a:t>Power Supply</a:t>
+                        <a:rPr lang="en-US" b="0" dirty="0"/>
+                        <a:t>- TSC2007</a:t>
                       </a:r>
                     </a:p>
                   </a:txBody>
@@ -16661,7 +16931,7 @@
                     <a:p>
                       <a:r>
                         <a:rPr lang="en-US" dirty="0"/>
-                        <a:t>*</a:t>
+                        <a:t>Y</a:t>
                       </a:r>
                     </a:p>
                   </a:txBody>
@@ -16674,7 +16944,7 @@
                     <a:p>
                       <a:r>
                         <a:rPr lang="en-US" dirty="0"/>
-                        <a:t>-</a:t>
+                        <a:t>$4.95</a:t>
                       </a:r>
                     </a:p>
                   </a:txBody>
@@ -16682,59 +16952,7 @@
                 </a:tc>
                 <a:extLst>
                   <a:ext uri="{0D108BD9-81ED-4DB2-BD59-A6C34878D82A}">
-                    <a16:rowId xmlns:a16="http://schemas.microsoft.com/office/drawing/2014/main" val="487527482"/>
-                  </a:ext>
-                </a:extLst>
-              </a:tr>
-              <a:tr h="370840">
-                <a:tc>
-                  <a:txBody>
-                    <a:bodyPr/>
-                    <a:lstStyle/>
-                    <a:p>
-                      <a:r>
-                        <a:rPr lang="en-US" dirty="0">
-                          <a:hlinkClick r:id="rId3"/>
-                        </a:rPr>
-                        <a:t>USB Wi-Fi</a:t>
-                      </a:r>
-                      <a:r>
-                        <a:rPr lang="en-US" dirty="0"/>
-                        <a:t> - TL-WN725N</a:t>
-                      </a:r>
-                    </a:p>
-                  </a:txBody>
-                  <a:tcPr/>
-                </a:tc>
-                <a:tc>
-                  <a:txBody>
-                    <a:bodyPr/>
-                    <a:lstStyle/>
-                    <a:p>
-                      <a:r>
-                        <a:rPr lang="en-US" dirty="0"/>
-                        <a:t>**</a:t>
-                      </a:r>
-                    </a:p>
-                  </a:txBody>
-                  <a:tcPr/>
-                </a:tc>
-                <a:tc>
-                  <a:txBody>
-                    <a:bodyPr/>
-                    <a:lstStyle/>
-                    <a:p>
-                      <a:r>
-                        <a:rPr lang="en-US" dirty="0"/>
-                        <a:t>$9.99</a:t>
-                      </a:r>
-                    </a:p>
-                  </a:txBody>
-                  <a:tcPr/>
-                </a:tc>
-                <a:extLst>
-                  <a:ext uri="{0D108BD9-81ED-4DB2-BD59-A6C34878D82A}">
-                    <a16:rowId xmlns:a16="http://schemas.microsoft.com/office/drawing/2014/main" val="1580067913"/>
+                    <a16:rowId xmlns:a16="http://schemas.microsoft.com/office/drawing/2014/main" val="935167727"/>
                   </a:ext>
                 </a:extLst>
               </a:tr>
@@ -16742,47 +16960,6 @@
           </a:graphicData>
         </a:graphic>
       </p:graphicFrame>
-      <p:sp>
-        <p:nvSpPr>
-          <p:cNvPr id="3" name="TextBox 2">
-            <a:extLst>
-              <a:ext uri="{FF2B5EF4-FFF2-40B4-BE49-F238E27FC236}">
-                <a16:creationId xmlns:a16="http://schemas.microsoft.com/office/drawing/2014/main" id="{56BBC88C-8CA0-365C-0461-8DD84B311876}"/>
-              </a:ext>
-            </a:extLst>
-          </p:cNvPr>
-          <p:cNvSpPr txBox="1"/>
-          <p:nvPr/>
-        </p:nvSpPr>
-        <p:spPr>
-          <a:xfrm>
-            <a:off x="609600" y="4914900"/>
-            <a:ext cx="9182100" cy="584775"/>
-          </a:xfrm>
-          <a:prstGeom prst="rect">
-            <a:avLst/>
-          </a:prstGeom>
-          <a:noFill/>
-        </p:spPr>
-        <p:txBody>
-          <a:bodyPr wrap="square" rtlCol="0">
-            <a:spAutoFit/>
-          </a:bodyPr>
-          <a:lstStyle/>
-          <a:p>
-            <a:r>
-              <a:rPr lang="en-US" sz="1600" dirty="0"/>
-              <a:t>*Is an external 5V power supply necessary?</a:t>
-            </a:r>
-          </a:p>
-          <a:p>
-            <a:r>
-              <a:rPr lang="en-US" sz="1600" dirty="0"/>
-              <a:t>**On-board Wi-Fi probably not necessary, also would need to make or purchase USB A hub?</a:t>
-            </a:r>
-          </a:p>
-        </p:txBody>
-      </p:sp>
     </p:spTree>
     <p:extLst>
       <p:ext uri="{BB962C8B-B14F-4D97-AF65-F5344CB8AC3E}">
